--- a/Hackimon – Our team member.pptx
+++ b/Hackimon – Our team member.pptx
@@ -5339,27 +5339,7 @@
                   </a:schemeClr>
                 </a:solidFill>
               </a:rPr>
-              <a:t>Hi! I am </a:t>
-            </a:r>
-            <a:r>
-              <a:rPr lang="en-US" altLang="zh-TW" sz="1050" dirty="0" smtClean="0">
-                <a:solidFill>
-                  <a:schemeClr val="accent3">
-                    <a:lumMod val="50000"/>
-                  </a:schemeClr>
-                </a:solidFill>
-              </a:rPr>
-              <a:t>Catherine</a:t>
-            </a:r>
-            <a:r>
-              <a:rPr lang="en-US" altLang="zh-TW" sz="1050" dirty="0" smtClean="0">
-                <a:solidFill>
-                  <a:schemeClr val="accent3">
-                    <a:lumMod val="50000"/>
-                  </a:schemeClr>
-                </a:solidFill>
-              </a:rPr>
-              <a:t>. I am working in GLTCM for BI projects.</a:t>
+              <a:t>Hi! I am Catherine. I am working in GLTCM for BI projects.</a:t>
             </a:r>
             <a:endParaRPr lang="zh-TW" altLang="en-US" sz="1050" dirty="0">
               <a:solidFill>
@@ -5956,8 +5936,21 @@
                   <a:srgbClr val="002060"/>
                 </a:solidFill>
               </a:rPr>
-              <a:t> to change the word</a:t>
-            </a:r>
+              <a:t> to change the </a:t>
+            </a:r>
+            <a:r>
+              <a:rPr lang="en-US" altLang="zh-TW" sz="1600" dirty="0" smtClean="0">
+                <a:solidFill>
+                  <a:srgbClr val="002060"/>
+                </a:solidFill>
+              </a:rPr>
+              <a:t>world</a:t>
+            </a:r>
+            <a:endParaRPr lang="en-US" altLang="zh-TW" sz="1600" dirty="0" smtClean="0">
+              <a:solidFill>
+                <a:srgbClr val="002060"/>
+              </a:solidFill>
+            </a:endParaRPr>
           </a:p>
         </p:txBody>
       </p:sp>

--- a/Hackimon – Our team member.pptx
+++ b/Hackimon – Our team member.pptx
@@ -5887,7 +5887,7 @@
                   <a:srgbClr val="002060"/>
                 </a:solidFill>
               </a:rPr>
-              <a:t>Hackidemy</a:t>
+              <a:t>Hackademy</a:t>
             </a:r>
             <a:r>
               <a:rPr lang="en-US" altLang="zh-TW" sz="1600" dirty="0" smtClean="0">
@@ -5895,7 +5895,15 @@
                   <a:srgbClr val="002060"/>
                 </a:solidFill>
               </a:rPr>
-              <a:t> is a good learning program. </a:t>
+              <a:t> </a:t>
+            </a:r>
+            <a:r>
+              <a:rPr lang="en-US" altLang="zh-TW" sz="1600" dirty="0" smtClean="0">
+                <a:solidFill>
+                  <a:srgbClr val="002060"/>
+                </a:solidFill>
+              </a:rPr>
+              <a:t>is a good learning program. </a:t>
             </a:r>
           </a:p>
           <a:p>
@@ -5936,21 +5944,8 @@
                   <a:srgbClr val="002060"/>
                 </a:solidFill>
               </a:rPr>
-              <a:t> to change the </a:t>
-            </a:r>
-            <a:r>
-              <a:rPr lang="en-US" altLang="zh-TW" sz="1600" dirty="0" smtClean="0">
-                <a:solidFill>
-                  <a:srgbClr val="002060"/>
-                </a:solidFill>
-              </a:rPr>
-              <a:t>world</a:t>
-            </a:r>
-            <a:endParaRPr lang="en-US" altLang="zh-TW" sz="1600" dirty="0" smtClean="0">
-              <a:solidFill>
-                <a:srgbClr val="002060"/>
-              </a:solidFill>
-            </a:endParaRPr>
+              <a:t> to change the world</a:t>
+            </a:r>
           </a:p>
         </p:txBody>
       </p:sp>
